--- a/DM03-Governance.pptx
+++ b/DM03-Governance.pptx
@@ -5,10 +5,10 @@
     <p:sldMasterId id="2147483653" r:id="rId1"/>
   </p:sldMasterIdLst>
   <p:notesMasterIdLst>
-    <p:notesMasterId r:id="rId28"/>
+    <p:notesMasterId r:id="rId26"/>
   </p:notesMasterIdLst>
   <p:handoutMasterIdLst>
-    <p:handoutMasterId r:id="rId29"/>
+    <p:handoutMasterId r:id="rId27"/>
   </p:handoutMasterIdLst>
   <p:sldIdLst>
     <p:sldId id="264" r:id="rId2"/>
@@ -31,12 +31,10 @@
     <p:sldId id="315" r:id="rId19"/>
     <p:sldId id="316" r:id="rId20"/>
     <p:sldId id="317" r:id="rId21"/>
-    <p:sldId id="318" r:id="rId22"/>
-    <p:sldId id="319" r:id="rId23"/>
-    <p:sldId id="320" r:id="rId24"/>
-    <p:sldId id="321" r:id="rId25"/>
-    <p:sldId id="322" r:id="rId26"/>
-    <p:sldId id="323" r:id="rId27"/>
+    <p:sldId id="321" r:id="rId22"/>
+    <p:sldId id="322" r:id="rId23"/>
+    <p:sldId id="323" r:id="rId24"/>
+    <p:sldId id="378" r:id="rId25"/>
   </p:sldIdLst>
   <p:sldSz cx="9144000" cy="6858000" type="screen4x3"/>
   <p:notesSz cx="6648450" cy="9782175"/>
@@ -1183,7 +1181,7 @@
           <a:p>
             <a:fld id="{A0ABDEA8-EB22-42D4-B8E2-0C26FFC92FC1}" type="datetimeFigureOut">
               <a:rPr lang="fr-FR" smtClean="0"/>
-              <a:t>28/12/2025</a:t>
+              <a:t>07/01/2026</a:t>
             </a:fld>
             <a:endParaRPr lang="fr-FR"/>
           </a:p>
@@ -11270,7 +11268,7 @@
         </p:blipFill>
         <p:spPr>
           <a:xfrm>
-            <a:off x="690021" y="1723787"/>
+            <a:off x="690021" y="1417914"/>
             <a:ext cx="7763958" cy="3410426"/>
           </a:xfrm>
           <a:prstGeom prst="rect">
@@ -11403,384 +11401,6 @@
           <p:cNvPr id="2" name="Titre 1">
             <a:extLst>
               <a:ext uri="{FF2B5EF4-FFF2-40B4-BE49-F238E27FC236}">
-                <a16:creationId xmlns:a16="http://schemas.microsoft.com/office/drawing/2014/main" id="{148461D3-D313-9850-D313-D66F9BB11F29}"/>
-              </a:ext>
-            </a:extLst>
-          </p:cNvPr>
-          <p:cNvSpPr>
-            <a:spLocks noGrp="1"/>
-          </p:cNvSpPr>
-          <p:nvPr>
-            <p:ph type="title"/>
-          </p:nvPr>
-        </p:nvSpPr>
-        <p:spPr/>
-        <p:txBody>
-          <a:bodyPr/>
-          <a:lstStyle/>
-          <a:p>
-            <a:r>
-              <a:rPr lang="fr-FR" dirty="0"/>
-              <a:t>DMBOK</a:t>
-            </a:r>
-          </a:p>
-        </p:txBody>
-      </p:sp>
-      <p:sp>
-        <p:nvSpPr>
-          <p:cNvPr id="3" name="Espace réservé du contenu 2">
-            <a:extLst>
-              <a:ext uri="{FF2B5EF4-FFF2-40B4-BE49-F238E27FC236}">
-                <a16:creationId xmlns:a16="http://schemas.microsoft.com/office/drawing/2014/main" id="{85B0EFC2-4975-1A6C-E09D-FDCE9A2E6F67}"/>
-              </a:ext>
-            </a:extLst>
-          </p:cNvPr>
-          <p:cNvSpPr>
-            <a:spLocks noGrp="1"/>
-          </p:cNvSpPr>
-          <p:nvPr>
-            <p:ph idx="1"/>
-          </p:nvPr>
-        </p:nvSpPr>
-        <p:spPr>
-          <a:xfrm>
-            <a:off x="179513" y="1412776"/>
-            <a:ext cx="5688632" cy="5040560"/>
-          </a:xfrm>
-        </p:spPr>
-        <p:txBody>
-          <a:bodyPr/>
-          <a:lstStyle/>
-          <a:p>
-            <a:r>
-              <a:rPr lang="en-US" dirty="0"/>
-              <a:t>Le DAMA Body of Knowledge </a:t>
-            </a:r>
-            <a:r>
-              <a:rPr lang="en-US" dirty="0" err="1"/>
-              <a:t>DMBoK</a:t>
-            </a:r>
-            <a:endParaRPr lang="en-US" dirty="0"/>
-          </a:p>
-          <a:p>
-            <a:pPr lvl="1"/>
-            <a:r>
-              <a:rPr lang="en-US" dirty="0"/>
-              <a:t>Dama.org</a:t>
-            </a:r>
-          </a:p>
-          <a:p>
-            <a:pPr lvl="1"/>
-            <a:r>
-              <a:rPr lang="fr-FR" dirty="0"/>
-              <a:t>Le corpus de connaissances sur la gestion des données est un ensemble de processus et de meilleures pratiques</a:t>
-            </a:r>
-          </a:p>
-        </p:txBody>
-      </p:sp>
-      <p:pic>
-        <p:nvPicPr>
-          <p:cNvPr id="7" name="Image 6">
-            <a:extLst>
-              <a:ext uri="{FF2B5EF4-FFF2-40B4-BE49-F238E27FC236}">
-                <a16:creationId xmlns:a16="http://schemas.microsoft.com/office/drawing/2014/main" id="{DAE1BAAD-FDC9-491F-1F6C-6B29B630DE38}"/>
-              </a:ext>
-            </a:extLst>
-          </p:cNvPr>
-          <p:cNvPicPr>
-            <a:picLocks noChangeAspect="1"/>
-          </p:cNvPicPr>
-          <p:nvPr/>
-        </p:nvPicPr>
-        <p:blipFill>
-          <a:blip r:embed="rId2"/>
-          <a:stretch>
-            <a:fillRect/>
-          </a:stretch>
-        </p:blipFill>
-        <p:spPr>
-          <a:xfrm>
-            <a:off x="6156176" y="1412776"/>
-            <a:ext cx="2057578" cy="2629128"/>
-          </a:xfrm>
-          <a:prstGeom prst="rect">
-            <a:avLst/>
-          </a:prstGeom>
-        </p:spPr>
-      </p:pic>
-      <p:pic>
-        <p:nvPicPr>
-          <p:cNvPr id="9" name="Image 8">
-            <a:extLst>
-              <a:ext uri="{FF2B5EF4-FFF2-40B4-BE49-F238E27FC236}">
-                <a16:creationId xmlns:a16="http://schemas.microsoft.com/office/drawing/2014/main" id="{7AEF4EB1-10A0-080E-D3ED-52709BE097F6}"/>
-              </a:ext>
-            </a:extLst>
-          </p:cNvPr>
-          <p:cNvPicPr>
-            <a:picLocks noChangeAspect="1"/>
-          </p:cNvPicPr>
-          <p:nvPr/>
-        </p:nvPicPr>
-        <p:blipFill>
-          <a:blip r:embed="rId3"/>
-          <a:stretch>
-            <a:fillRect/>
-          </a:stretch>
-        </p:blipFill>
-        <p:spPr>
-          <a:xfrm>
-            <a:off x="1979712" y="4653136"/>
-            <a:ext cx="4892464" cy="883997"/>
-          </a:xfrm>
-          <a:prstGeom prst="rect">
-            <a:avLst/>
-          </a:prstGeom>
-        </p:spPr>
-      </p:pic>
-    </p:spTree>
-    <p:extLst>
-      <p:ext uri="{BB962C8B-B14F-4D97-AF65-F5344CB8AC3E}">
-        <p14:creationId xmlns:p14="http://schemas.microsoft.com/office/powerpoint/2010/main" val="899357166"/>
-      </p:ext>
-    </p:extLst>
-  </p:cSld>
-  <p:clrMapOvr>
-    <a:masterClrMapping/>
-  </p:clrMapOvr>
-</p:sld>
-</file>
-
-<file path=ppt/slides/slide22.xml><?xml version="1.0" encoding="utf-8"?>
-<p:sld xmlns:a="http://schemas.openxmlformats.org/drawingml/2006/main" xmlns:r="http://schemas.openxmlformats.org/officeDocument/2006/relationships" xmlns:p="http://schemas.openxmlformats.org/presentationml/2006/main">
-  <p:cSld>
-    <p:spTree>
-      <p:nvGrpSpPr>
-        <p:cNvPr id="1" name=""/>
-        <p:cNvGrpSpPr/>
-        <p:nvPr/>
-      </p:nvGrpSpPr>
-      <p:grpSpPr>
-        <a:xfrm>
-          <a:off x="0" y="0"/>
-          <a:ext cx="0" cy="0"/>
-          <a:chOff x="0" y="0"/>
-          <a:chExt cx="0" cy="0"/>
-        </a:xfrm>
-      </p:grpSpPr>
-      <p:sp>
-        <p:nvSpPr>
-          <p:cNvPr id="2" name="Titre 1">
-            <a:extLst>
-              <a:ext uri="{FF2B5EF4-FFF2-40B4-BE49-F238E27FC236}">
-                <a16:creationId xmlns:a16="http://schemas.microsoft.com/office/drawing/2014/main" id="{62F47710-6E4A-954B-43DE-C1DF4933F30A}"/>
-              </a:ext>
-            </a:extLst>
-          </p:cNvPr>
-          <p:cNvSpPr>
-            <a:spLocks noGrp="1"/>
-          </p:cNvSpPr>
-          <p:nvPr>
-            <p:ph type="title"/>
-          </p:nvPr>
-        </p:nvSpPr>
-        <p:spPr/>
-        <p:txBody>
-          <a:bodyPr/>
-          <a:lstStyle/>
-          <a:p>
-            <a:r>
-              <a:rPr lang="fr-FR" dirty="0"/>
-              <a:t>DMBOK</a:t>
-            </a:r>
-          </a:p>
-        </p:txBody>
-      </p:sp>
-      <p:sp>
-        <p:nvSpPr>
-          <p:cNvPr id="3" name="Espace réservé du contenu 2">
-            <a:extLst>
-              <a:ext uri="{FF2B5EF4-FFF2-40B4-BE49-F238E27FC236}">
-                <a16:creationId xmlns:a16="http://schemas.microsoft.com/office/drawing/2014/main" id="{C134FE94-B783-4895-57A2-7E14693BC44F}"/>
-              </a:ext>
-            </a:extLst>
-          </p:cNvPr>
-          <p:cNvSpPr>
-            <a:spLocks noGrp="1"/>
-          </p:cNvSpPr>
-          <p:nvPr>
-            <p:ph idx="1"/>
-          </p:nvPr>
-        </p:nvSpPr>
-        <p:spPr/>
-        <p:txBody>
-          <a:bodyPr/>
-          <a:lstStyle/>
-          <a:p>
-            <a:r>
-              <a:rPr lang="fr-FR" dirty="0"/>
-              <a:t>Contient les meilleures pratiques et références généralement acceptées pour chaque discipline de gestion des données</a:t>
-            </a:r>
-          </a:p>
-          <a:p>
-            <a:r>
-              <a:rPr lang="fr-FR" dirty="0"/>
-              <a:t>La gestion des données (DM) est un terme global qui décrit les processus utilisés pour planifier, spécifier, activer, créer, acquérir, maintenir, utiliser, archiver, récupérer, contrôler et purger les données</a:t>
-            </a:r>
-          </a:p>
-        </p:txBody>
-      </p:sp>
-    </p:spTree>
-    <p:extLst>
-      <p:ext uri="{BB962C8B-B14F-4D97-AF65-F5344CB8AC3E}">
-        <p14:creationId xmlns:p14="http://schemas.microsoft.com/office/powerpoint/2010/main" val="1987392966"/>
-      </p:ext>
-    </p:extLst>
-  </p:cSld>
-  <p:clrMapOvr>
-    <a:masterClrMapping/>
-  </p:clrMapOvr>
-</p:sld>
-</file>
-
-<file path=ppt/slides/slide23.xml><?xml version="1.0" encoding="utf-8"?>
-<p:sld xmlns:a="http://schemas.openxmlformats.org/drawingml/2006/main" xmlns:r="http://schemas.openxmlformats.org/officeDocument/2006/relationships" xmlns:p="http://schemas.openxmlformats.org/presentationml/2006/main">
-  <p:cSld>
-    <p:spTree>
-      <p:nvGrpSpPr>
-        <p:cNvPr id="1" name=""/>
-        <p:cNvGrpSpPr/>
-        <p:nvPr/>
-      </p:nvGrpSpPr>
-      <p:grpSpPr>
-        <a:xfrm>
-          <a:off x="0" y="0"/>
-          <a:ext cx="0" cy="0"/>
-          <a:chOff x="0" y="0"/>
-          <a:chExt cx="0" cy="0"/>
-        </a:xfrm>
-      </p:grpSpPr>
-      <p:sp>
-        <p:nvSpPr>
-          <p:cNvPr id="2" name="Titre 1">
-            <a:extLst>
-              <a:ext uri="{FF2B5EF4-FFF2-40B4-BE49-F238E27FC236}">
-                <a16:creationId xmlns:a16="http://schemas.microsoft.com/office/drawing/2014/main" id="{1AD3AAA3-60F1-F69F-2552-9BDC9E64E4AD}"/>
-              </a:ext>
-            </a:extLst>
-          </p:cNvPr>
-          <p:cNvSpPr>
-            <a:spLocks noGrp="1"/>
-          </p:cNvSpPr>
-          <p:nvPr>
-            <p:ph type="title"/>
-          </p:nvPr>
-        </p:nvSpPr>
-        <p:spPr/>
-        <p:txBody>
-          <a:bodyPr/>
-          <a:lstStyle/>
-          <a:p>
-            <a:r>
-              <a:rPr lang="fr-FR" dirty="0"/>
-              <a:t>DMBOK 2</a:t>
-            </a:r>
-          </a:p>
-        </p:txBody>
-      </p:sp>
-      <p:sp>
-        <p:nvSpPr>
-          <p:cNvPr id="3" name="Espace réservé du contenu 2">
-            <a:extLst>
-              <a:ext uri="{FF2B5EF4-FFF2-40B4-BE49-F238E27FC236}">
-                <a16:creationId xmlns:a16="http://schemas.microsoft.com/office/drawing/2014/main" id="{658F48D2-EC65-A5E6-58AA-86A9AB437BF8}"/>
-              </a:ext>
-            </a:extLst>
-          </p:cNvPr>
-          <p:cNvSpPr>
-            <a:spLocks noGrp="1"/>
-          </p:cNvSpPr>
-          <p:nvPr>
-            <p:ph idx="1"/>
-          </p:nvPr>
-        </p:nvSpPr>
-        <p:spPr/>
-        <p:txBody>
-          <a:bodyPr/>
-          <a:lstStyle/>
-          <a:p>
-            <a:r>
-              <a:rPr lang="fr-FR" dirty="0"/>
-              <a:t>Les 11 domaines de compétence</a:t>
-            </a:r>
-          </a:p>
-        </p:txBody>
-      </p:sp>
-      <p:pic>
-        <p:nvPicPr>
-          <p:cNvPr id="5" name="Image 4">
-            <a:extLst>
-              <a:ext uri="{FF2B5EF4-FFF2-40B4-BE49-F238E27FC236}">
-                <a16:creationId xmlns:a16="http://schemas.microsoft.com/office/drawing/2014/main" id="{3D4878E9-24E8-BF9D-362E-8499A7AA7F48}"/>
-              </a:ext>
-            </a:extLst>
-          </p:cNvPr>
-          <p:cNvPicPr>
-            <a:picLocks noChangeAspect="1"/>
-          </p:cNvPicPr>
-          <p:nvPr/>
-        </p:nvPicPr>
-        <p:blipFill>
-          <a:blip r:embed="rId2"/>
-          <a:stretch>
-            <a:fillRect/>
-          </a:stretch>
-        </p:blipFill>
-        <p:spPr>
-          <a:xfrm>
-            <a:off x="2668803" y="2132856"/>
-            <a:ext cx="3787468" cy="3817951"/>
-          </a:xfrm>
-          <a:prstGeom prst="rect">
-            <a:avLst/>
-          </a:prstGeom>
-        </p:spPr>
-      </p:pic>
-    </p:spTree>
-    <p:extLst>
-      <p:ext uri="{BB962C8B-B14F-4D97-AF65-F5344CB8AC3E}">
-        <p14:creationId xmlns:p14="http://schemas.microsoft.com/office/powerpoint/2010/main" val="530583090"/>
-      </p:ext>
-    </p:extLst>
-  </p:cSld>
-  <p:clrMapOvr>
-    <a:masterClrMapping/>
-  </p:clrMapOvr>
-</p:sld>
-</file>
-
-<file path=ppt/slides/slide24.xml><?xml version="1.0" encoding="utf-8"?>
-<p:sld xmlns:a="http://schemas.openxmlformats.org/drawingml/2006/main" xmlns:r="http://schemas.openxmlformats.org/officeDocument/2006/relationships" xmlns:p="http://schemas.openxmlformats.org/presentationml/2006/main">
-  <p:cSld>
-    <p:spTree>
-      <p:nvGrpSpPr>
-        <p:cNvPr id="1" name=""/>
-        <p:cNvGrpSpPr/>
-        <p:nvPr/>
-      </p:nvGrpSpPr>
-      <p:grpSpPr>
-        <a:xfrm>
-          <a:off x="0" y="0"/>
-          <a:ext cx="0" cy="0"/>
-          <a:chOff x="0" y="0"/>
-          <a:chExt cx="0" cy="0"/>
-        </a:xfrm>
-      </p:grpSpPr>
-      <p:sp>
-        <p:nvSpPr>
-          <p:cNvPr id="2" name="Titre 1">
-            <a:extLst>
-              <a:ext uri="{FF2B5EF4-FFF2-40B4-BE49-F238E27FC236}">
                 <a16:creationId xmlns:a16="http://schemas.microsoft.com/office/drawing/2014/main" id="{CC4DEA07-75FC-DC19-5A7B-75ACFE0512B6}"/>
               </a:ext>
             </a:extLst>
@@ -11870,7 +11490,7 @@
 </p:sld>
 </file>
 
-<file path=ppt/slides/slide25.xml><?xml version="1.0" encoding="utf-8"?>
+<file path=ppt/slides/slide22.xml><?xml version="1.0" encoding="utf-8"?>
 <p:sld xmlns:a="http://schemas.openxmlformats.org/drawingml/2006/main" xmlns:r="http://schemas.openxmlformats.org/officeDocument/2006/relationships" xmlns:p="http://schemas.openxmlformats.org/presentationml/2006/main">
   <p:cSld>
     <p:spTree>
@@ -11998,7 +11618,7 @@
 </p:sld>
 </file>
 
-<file path=ppt/slides/slide26.xml><?xml version="1.0" encoding="utf-8"?>
+<file path=ppt/slides/slide23.xml><?xml version="1.0" encoding="utf-8"?>
 <p:sld xmlns:a="http://schemas.openxmlformats.org/drawingml/2006/main" xmlns:r="http://schemas.openxmlformats.org/officeDocument/2006/relationships" xmlns:p="http://schemas.openxmlformats.org/presentationml/2006/main">
   <p:cSld>
     <p:spTree>
@@ -12119,6 +11739,119 @@
     <p:extLst>
       <p:ext uri="{BB962C8B-B14F-4D97-AF65-F5344CB8AC3E}">
         <p14:creationId xmlns:p14="http://schemas.microsoft.com/office/powerpoint/2010/main" val="2104611640"/>
+      </p:ext>
+    </p:extLst>
+  </p:cSld>
+  <p:clrMapOvr>
+    <a:masterClrMapping/>
+  </p:clrMapOvr>
+</p:sld>
+</file>
+
+<file path=ppt/slides/slide24.xml><?xml version="1.0" encoding="utf-8"?>
+<p:sld xmlns:a="http://schemas.openxmlformats.org/drawingml/2006/main" xmlns:r="http://schemas.openxmlformats.org/officeDocument/2006/relationships" xmlns:p="http://schemas.openxmlformats.org/presentationml/2006/main">
+  <p:cSld>
+    <p:spTree>
+      <p:nvGrpSpPr>
+        <p:cNvPr id="1" name=""/>
+        <p:cNvGrpSpPr/>
+        <p:nvPr/>
+      </p:nvGrpSpPr>
+      <p:grpSpPr>
+        <a:xfrm>
+          <a:off x="0" y="0"/>
+          <a:ext cx="0" cy="0"/>
+          <a:chOff x="0" y="0"/>
+          <a:chExt cx="0" cy="0"/>
+        </a:xfrm>
+      </p:grpSpPr>
+      <p:sp>
+        <p:nvSpPr>
+          <p:cNvPr id="2" name="Titre 1">
+            <a:extLst>
+              <a:ext uri="{FF2B5EF4-FFF2-40B4-BE49-F238E27FC236}">
+                <a16:creationId xmlns:a16="http://schemas.microsoft.com/office/drawing/2014/main" id="{129DEC91-FE65-5830-8155-F3ABA2C5B476}"/>
+              </a:ext>
+            </a:extLst>
+          </p:cNvPr>
+          <p:cNvSpPr>
+            <a:spLocks noGrp="1"/>
+          </p:cNvSpPr>
+          <p:nvPr>
+            <p:ph type="title"/>
+          </p:nvPr>
+        </p:nvSpPr>
+        <p:spPr/>
+        <p:txBody>
+          <a:bodyPr/>
+          <a:lstStyle/>
+          <a:p>
+            <a:r>
+              <a:rPr lang="fr-FR" dirty="0"/>
+              <a:t>TP</a:t>
+            </a:r>
+          </a:p>
+        </p:txBody>
+      </p:sp>
+      <p:sp>
+        <p:nvSpPr>
+          <p:cNvPr id="3" name="Espace réservé du contenu 2">
+            <a:extLst>
+              <a:ext uri="{FF2B5EF4-FFF2-40B4-BE49-F238E27FC236}">
+                <a16:creationId xmlns:a16="http://schemas.microsoft.com/office/drawing/2014/main" id="{48FEE096-7DB1-CEAD-34DF-6F5880D478CC}"/>
+              </a:ext>
+            </a:extLst>
+          </p:cNvPr>
+          <p:cNvSpPr>
+            <a:spLocks noGrp="1"/>
+          </p:cNvSpPr>
+          <p:nvPr>
+            <p:ph idx="1"/>
+          </p:nvPr>
+        </p:nvSpPr>
+        <p:spPr/>
+        <p:txBody>
+          <a:bodyPr/>
+          <a:lstStyle/>
+          <a:p>
+            <a:r>
+              <a:rPr lang="fr-FR" dirty="0"/>
+              <a:t>Décrire la gouvernance actuelle de votre entreprise</a:t>
+            </a:r>
+          </a:p>
+          <a:p>
+            <a:pPr lvl="1"/>
+            <a:r>
+              <a:rPr lang="fr-FR" dirty="0"/>
+              <a:t>Adapter les termes de gouvernance de ce chapitre vers votre entreprise</a:t>
+            </a:r>
+          </a:p>
+          <a:p>
+            <a:r>
+              <a:rPr lang="fr-FR" dirty="0"/>
+              <a:t>Quel poste de gouvernance de </a:t>
+            </a:r>
+            <a:r>
+              <a:rPr lang="fr-FR"/>
+              <a:t>la data avec </a:t>
+            </a:r>
+            <a:r>
+              <a:rPr lang="fr-FR" dirty="0"/>
+              <a:t>vous actuellement ?</a:t>
+            </a:r>
+          </a:p>
+          <a:p>
+            <a:r>
+              <a:rPr lang="fr-FR" dirty="0"/>
+              <a:t>Quel poste faudrait-il créer rapidement</a:t>
+            </a:r>
+          </a:p>
+        </p:txBody>
+      </p:sp>
+    </p:spTree>
+    <p:extLst>
+      <p:ext uri="{BB962C8B-B14F-4D97-AF65-F5344CB8AC3E}">
+        <p14:creationId xmlns:p14="http://schemas.microsoft.com/office/powerpoint/2010/main" val="3334820870"/>
       </p:ext>
     </p:extLst>
   </p:cSld>
